--- a/Presentation.pptx
+++ b/Presentation.pptx
@@ -6,8 +6,8 @@
   </p:sldMasterIdLst>
   <p:sldIdLst>
     <p:sldId id="298" r:id="rId5"/>
-    <p:sldId id="299" r:id="rId6"/>
-    <p:sldId id="305" r:id="rId7"/>
+    <p:sldId id="305" r:id="rId6"/>
+    <p:sldId id="299" r:id="rId7"/>
     <p:sldId id="300" r:id="rId8"/>
     <p:sldId id="301" r:id="rId9"/>
     <p:sldId id="302" r:id="rId10"/>
@@ -363,7 +363,7 @@
           <a:p>
             <a:fld id="{9184DA70-C731-4C70-880D-CCD4705E623C}" type="datetime1">
               <a:rPr lang="en-US" smtClean="0"/>
-              <a:t>3/29/2022</a:t>
+              <a:t>3/31/2022</a:t>
             </a:fld>
             <a:endParaRPr lang="en-US" dirty="0"/>
           </a:p>
@@ -551,7 +551,7 @@
           <a:p>
             <a:fld id="{4BE1D723-8F53-4F53-90B0-1982A396982E}" type="datetime1">
               <a:rPr lang="en-US" smtClean="0"/>
-              <a:t>3/29/2022</a:t>
+              <a:t>3/31/2022</a:t>
             </a:fld>
             <a:endParaRPr lang="en-US" dirty="0"/>
           </a:p>
@@ -924,7 +924,7 @@
           <a:p>
             <a:fld id="{97669AF7-7BEB-44E4-9852-375E34362B5B}" type="datetime1">
               <a:rPr lang="en-US" smtClean="0"/>
-              <a:t>3/29/2022</a:t>
+              <a:t>3/31/2022</a:t>
             </a:fld>
             <a:endParaRPr lang="en-US" dirty="0"/>
           </a:p>
@@ -1179,7 +1179,7 @@
           <a:p>
             <a:fld id="{BAAAC38D-0552-4C82-B593-E6124DFADBE2}" type="datetime1">
               <a:rPr lang="en-US" smtClean="0"/>
-              <a:t>3/29/2022</a:t>
+              <a:t>3/31/2022</a:t>
             </a:fld>
             <a:endParaRPr lang="en-US" dirty="0"/>
           </a:p>
@@ -1576,7 +1576,7 @@
           <a:p>
             <a:fld id="{D9DF0F1C-5577-4ACB-BB62-DF8F3C494C7E}" type="datetime1">
               <a:rPr lang="en-US" smtClean="0"/>
-              <a:t>3/29/2022</a:t>
+              <a:t>3/31/2022</a:t>
             </a:fld>
             <a:endParaRPr lang="en-US" dirty="0"/>
           </a:p>
@@ -1712,7 +1712,7 @@
           <a:p>
             <a:fld id="{1775B394-D9F9-4F0C-B15D-605F45CB9E9F}" type="datetime1">
               <a:rPr lang="en-US" smtClean="0"/>
-              <a:t>3/29/2022</a:t>
+              <a:t>3/31/2022</a:t>
             </a:fld>
             <a:endParaRPr lang="en-US" dirty="0"/>
           </a:p>
@@ -1869,7 +1869,7 @@
           <a:p>
             <a:fld id="{39667345-2558-425A-8533-9BFDBCE15005}" type="datetime1">
               <a:rPr lang="en-US" smtClean="0"/>
-              <a:t>3/29/2022</a:t>
+              <a:t>3/31/2022</a:t>
             </a:fld>
             <a:endParaRPr lang="en-US" dirty="0"/>
           </a:p>
@@ -2198,7 +2198,7 @@
           <a:p>
             <a:fld id="{92BEA474-078D-4E9B-9B14-09A87B19DC46}" type="datetime1">
               <a:rPr lang="en-US" smtClean="0"/>
-              <a:t>3/29/2022</a:t>
+              <a:t>3/31/2022</a:t>
             </a:fld>
             <a:endParaRPr lang="en-US" dirty="0"/>
           </a:p>
@@ -2548,7 +2548,7 @@
           <a:p>
             <a:fld id="{4907D986-8816-4272-A432-0437A28A9828}" type="datetime1">
               <a:rPr lang="en-US" smtClean="0"/>
-              <a:t>3/29/2022</a:t>
+              <a:t>3/31/2022</a:t>
             </a:fld>
             <a:endParaRPr lang="en-US" dirty="0"/>
           </a:p>
@@ -2809,7 +2809,7 @@
           <a:p>
             <a:fld id="{62D6E202-B606-4609-B914-27C9371A1F6D}" type="datetime1">
               <a:rPr lang="en-US" smtClean="0"/>
-              <a:t>3/29/2022</a:t>
+              <a:t>3/31/2022</a:t>
             </a:fld>
             <a:endParaRPr lang="en-US" dirty="0"/>
           </a:p>
@@ -3788,7 +3788,7 @@
           <p:cNvPr id="2" name="Title 1">
             <a:extLst>
               <a:ext uri="{FF2B5EF4-FFF2-40B4-BE49-F238E27FC236}">
-                <a16:creationId xmlns:a16="http://schemas.microsoft.com/office/drawing/2014/main" id="{CE571D06-5317-407F-A89B-F5B1861DD6E5}"/>
+                <a16:creationId xmlns:a16="http://schemas.microsoft.com/office/drawing/2014/main" id="{517D2EE0-2C05-4021-AF42-A720FF13BB79}"/>
               </a:ext>
             </a:extLst>
           </p:cNvPr>
@@ -3806,25 +3806,25 @@
           <a:p>
             <a:r>
               <a:rPr lang="en-US" dirty="0"/>
-              <a:t>If and While Loops</a:t>
-            </a:r>
-          </a:p>
-        </p:txBody>
-      </p:sp>
-      <p:sp>
-        <p:nvSpPr>
-          <p:cNvPr id="3" name="Text Placeholder 2">
-            <a:extLst>
-              <a:ext uri="{FF2B5EF4-FFF2-40B4-BE49-F238E27FC236}">
-                <a16:creationId xmlns:a16="http://schemas.microsoft.com/office/drawing/2014/main" id="{3B91928A-47DF-4A40-90C0-D1749148E396}"/>
-              </a:ext>
-            </a:extLst>
-          </p:cNvPr>
-          <p:cNvSpPr>
-            <a:spLocks noGrp="1"/>
-          </p:cNvSpPr>
-          <p:nvPr>
-            <p:ph type="body" idx="1"/>
+              <a:t>How to play and features</a:t>
+            </a:r>
+          </a:p>
+        </p:txBody>
+      </p:sp>
+      <p:sp>
+        <p:nvSpPr>
+          <p:cNvPr id="3" name="Content Placeholder 2">
+            <a:extLst>
+              <a:ext uri="{FF2B5EF4-FFF2-40B4-BE49-F238E27FC236}">
+                <a16:creationId xmlns:a16="http://schemas.microsoft.com/office/drawing/2014/main" id="{CDAD2EE8-34C1-471A-A546-057548A8DDE2}"/>
+              </a:ext>
+            </a:extLst>
+          </p:cNvPr>
+          <p:cNvSpPr>
+            <a:spLocks noGrp="1"/>
+          </p:cNvSpPr>
+          <p:nvPr>
+            <p:ph idx="1"/>
           </p:nvPr>
         </p:nvSpPr>
         <p:spPr/>
@@ -3832,103 +3832,54 @@
           <a:bodyPr/>
           <a:lstStyle/>
           <a:p>
+            <a:pPr>
+              <a:buFont typeface="Arial" panose="020B0604020202020204" pitchFamily="34" charset="0"/>
+              <a:buChar char="•"/>
+            </a:pPr>
             <a:r>
               <a:rPr lang="en-US" dirty="0"/>
-              <a:t>While</a:t>
-            </a:r>
-          </a:p>
-        </p:txBody>
-      </p:sp>
-      <p:pic>
-        <p:nvPicPr>
-          <p:cNvPr id="11" name="Content Placeholder 10">
-            <a:extLst>
-              <a:ext uri="{FF2B5EF4-FFF2-40B4-BE49-F238E27FC236}">
-                <a16:creationId xmlns:a16="http://schemas.microsoft.com/office/drawing/2014/main" id="{A38D9E99-5DEC-4551-A81F-9A5326D8B350}"/>
-              </a:ext>
-            </a:extLst>
-          </p:cNvPr>
-          <p:cNvPicPr>
-            <a:picLocks noGrp="1" noChangeAspect="1"/>
-          </p:cNvPicPr>
-          <p:nvPr>
-            <p:ph sz="half" idx="2"/>
-          </p:nvPr>
-        </p:nvPicPr>
-        <p:blipFill>
-          <a:blip r:embed="rId2"/>
-          <a:stretch>
-            <a:fillRect/>
-          </a:stretch>
-        </p:blipFill>
-        <p:spPr>
-          <a:xfrm>
-            <a:off x="1235687" y="2957513"/>
-            <a:ext cx="4362814" cy="2911475"/>
-          </a:xfrm>
-        </p:spPr>
-      </p:pic>
-      <p:sp>
-        <p:nvSpPr>
-          <p:cNvPr id="5" name="Text Placeholder 4">
-            <a:extLst>
-              <a:ext uri="{FF2B5EF4-FFF2-40B4-BE49-F238E27FC236}">
-                <a16:creationId xmlns:a16="http://schemas.microsoft.com/office/drawing/2014/main" id="{CC88FF65-6159-47B3-BC1A-FB1B07B41BD5}"/>
-              </a:ext>
-            </a:extLst>
-          </p:cNvPr>
-          <p:cNvSpPr>
-            <a:spLocks noGrp="1"/>
-          </p:cNvSpPr>
-          <p:nvPr>
-            <p:ph type="body" sz="quarter" idx="3"/>
-          </p:nvPr>
-        </p:nvSpPr>
-        <p:spPr/>
-        <p:txBody>
-          <a:bodyPr/>
-          <a:lstStyle/>
-          <a:p>
+              <a:t>The name of the game is to get three x or y in a line depending on if you are player 1 or 2 respectively.</a:t>
+            </a:r>
+          </a:p>
+          <a:p>
+            <a:pPr>
+              <a:buFont typeface="Arial" panose="020B0604020202020204" pitchFamily="34" charset="0"/>
+              <a:buChar char="•"/>
+            </a:pPr>
             <a:r>
               <a:rPr lang="en-US" dirty="0"/>
-              <a:t>If</a:t>
-            </a:r>
-          </a:p>
-        </p:txBody>
-      </p:sp>
-      <p:pic>
-        <p:nvPicPr>
-          <p:cNvPr id="9" name="Content Placeholder 8">
-            <a:extLst>
-              <a:ext uri="{FF2B5EF4-FFF2-40B4-BE49-F238E27FC236}">
-                <a16:creationId xmlns:a16="http://schemas.microsoft.com/office/drawing/2014/main" id="{23125653-9D6D-45E8-ADD5-9332EAD460AC}"/>
-              </a:ext>
-            </a:extLst>
-          </p:cNvPr>
-          <p:cNvPicPr>
-            <a:picLocks noGrp="1" noChangeAspect="1"/>
-          </p:cNvPicPr>
-          <p:nvPr>
-            <p:ph sz="quarter" idx="4"/>
-          </p:nvPr>
-        </p:nvPicPr>
-        <p:blipFill>
-          <a:blip r:embed="rId3"/>
-          <a:stretch>
-            <a:fillRect/>
-          </a:stretch>
-        </p:blipFill>
-        <p:spPr>
-          <a:xfrm>
-            <a:off x="6516688" y="2981648"/>
-            <a:ext cx="4638675" cy="2863205"/>
-          </a:xfrm>
-        </p:spPr>
-      </p:pic>
+              <a:t>Can play single or multiplayer.</a:t>
+            </a:r>
+          </a:p>
+          <a:p>
+            <a:pPr>
+              <a:buFont typeface="Arial" panose="020B0604020202020204" pitchFamily="34" charset="0"/>
+              <a:buChar char="•"/>
+            </a:pPr>
+            <a:r>
+              <a:rPr lang="en-US" dirty="0"/>
+              <a:t>Single player is so easy you must try to lose.</a:t>
+            </a:r>
+          </a:p>
+          <a:p>
+            <a:pPr marL="0" indent="0">
+              <a:buNone/>
+            </a:pPr>
+            <a:endParaRPr lang="en-US" dirty="0"/>
+          </a:p>
+          <a:p>
+            <a:pPr>
+              <a:buFont typeface="Arial" panose="020B0604020202020204" pitchFamily="34" charset="0"/>
+              <a:buChar char="•"/>
+            </a:pPr>
+            <a:endParaRPr lang="en-US" dirty="0"/>
+          </a:p>
+        </p:txBody>
+      </p:sp>
     </p:spTree>
     <p:extLst>
       <p:ext uri="{BB962C8B-B14F-4D97-AF65-F5344CB8AC3E}">
-        <p14:creationId xmlns:p14="http://schemas.microsoft.com/office/powerpoint/2010/main" val="1441660424"/>
+        <p14:creationId xmlns:p14="http://schemas.microsoft.com/office/powerpoint/2010/main" val="2078728027"/>
       </p:ext>
     </p:extLst>
   </p:cSld>
@@ -3960,7 +3911,7 @@
           <p:cNvPr id="2" name="Title 1">
             <a:extLst>
               <a:ext uri="{FF2B5EF4-FFF2-40B4-BE49-F238E27FC236}">
-                <a16:creationId xmlns:a16="http://schemas.microsoft.com/office/drawing/2014/main" id="{517D2EE0-2C05-4021-AF42-A720FF13BB79}"/>
+                <a16:creationId xmlns:a16="http://schemas.microsoft.com/office/drawing/2014/main" id="{CE571D06-5317-407F-A89B-F5B1861DD6E5}"/>
               </a:ext>
             </a:extLst>
           </p:cNvPr>
@@ -3978,25 +3929,25 @@
           <a:p>
             <a:r>
               <a:rPr lang="en-US" dirty="0"/>
-              <a:t>How to play and features</a:t>
-            </a:r>
-          </a:p>
-        </p:txBody>
-      </p:sp>
-      <p:sp>
-        <p:nvSpPr>
-          <p:cNvPr id="3" name="Content Placeholder 2">
-            <a:extLst>
-              <a:ext uri="{FF2B5EF4-FFF2-40B4-BE49-F238E27FC236}">
-                <a16:creationId xmlns:a16="http://schemas.microsoft.com/office/drawing/2014/main" id="{CDAD2EE8-34C1-471A-A546-057548A8DDE2}"/>
-              </a:ext>
-            </a:extLst>
-          </p:cNvPr>
-          <p:cNvSpPr>
-            <a:spLocks noGrp="1"/>
-          </p:cNvSpPr>
-          <p:nvPr>
-            <p:ph idx="1"/>
+              <a:t>If and While Loops</a:t>
+            </a:r>
+          </a:p>
+        </p:txBody>
+      </p:sp>
+      <p:sp>
+        <p:nvSpPr>
+          <p:cNvPr id="3" name="Text Placeholder 2">
+            <a:extLst>
+              <a:ext uri="{FF2B5EF4-FFF2-40B4-BE49-F238E27FC236}">
+                <a16:creationId xmlns:a16="http://schemas.microsoft.com/office/drawing/2014/main" id="{3B91928A-47DF-4A40-90C0-D1749148E396}"/>
+              </a:ext>
+            </a:extLst>
+          </p:cNvPr>
+          <p:cNvSpPr>
+            <a:spLocks noGrp="1"/>
+          </p:cNvSpPr>
+          <p:nvPr>
+            <p:ph type="body" idx="1"/>
           </p:nvPr>
         </p:nvSpPr>
         <p:spPr/>
@@ -4004,54 +3955,103 @@
           <a:bodyPr/>
           <a:lstStyle/>
           <a:p>
-            <a:pPr>
-              <a:buFont typeface="Arial" panose="020B0604020202020204" pitchFamily="34" charset="0"/>
-              <a:buChar char="•"/>
-            </a:pPr>
             <a:r>
               <a:rPr lang="en-US" dirty="0"/>
-              <a:t>The name of the game is to get three x or y in a line depending on if you are player 1 or 2 respectively.</a:t>
-            </a:r>
-          </a:p>
-          <a:p>
-            <a:pPr>
-              <a:buFont typeface="Arial" panose="020B0604020202020204" pitchFamily="34" charset="0"/>
-              <a:buChar char="•"/>
-            </a:pPr>
+              <a:t>While</a:t>
+            </a:r>
+          </a:p>
+        </p:txBody>
+      </p:sp>
+      <p:pic>
+        <p:nvPicPr>
+          <p:cNvPr id="11" name="Content Placeholder 10">
+            <a:extLst>
+              <a:ext uri="{FF2B5EF4-FFF2-40B4-BE49-F238E27FC236}">
+                <a16:creationId xmlns:a16="http://schemas.microsoft.com/office/drawing/2014/main" id="{A38D9E99-5DEC-4551-A81F-9A5326D8B350}"/>
+              </a:ext>
+            </a:extLst>
+          </p:cNvPr>
+          <p:cNvPicPr>
+            <a:picLocks noGrp="1" noChangeAspect="1"/>
+          </p:cNvPicPr>
+          <p:nvPr>
+            <p:ph sz="half" idx="2"/>
+          </p:nvPr>
+        </p:nvPicPr>
+        <p:blipFill>
+          <a:blip r:embed="rId2"/>
+          <a:stretch>
+            <a:fillRect/>
+          </a:stretch>
+        </p:blipFill>
+        <p:spPr>
+          <a:xfrm>
+            <a:off x="1235687" y="2957513"/>
+            <a:ext cx="4362814" cy="2911475"/>
+          </a:xfrm>
+        </p:spPr>
+      </p:pic>
+      <p:sp>
+        <p:nvSpPr>
+          <p:cNvPr id="5" name="Text Placeholder 4">
+            <a:extLst>
+              <a:ext uri="{FF2B5EF4-FFF2-40B4-BE49-F238E27FC236}">
+                <a16:creationId xmlns:a16="http://schemas.microsoft.com/office/drawing/2014/main" id="{CC88FF65-6159-47B3-BC1A-FB1B07B41BD5}"/>
+              </a:ext>
+            </a:extLst>
+          </p:cNvPr>
+          <p:cNvSpPr>
+            <a:spLocks noGrp="1"/>
+          </p:cNvSpPr>
+          <p:nvPr>
+            <p:ph type="body" sz="quarter" idx="3"/>
+          </p:nvPr>
+        </p:nvSpPr>
+        <p:spPr/>
+        <p:txBody>
+          <a:bodyPr/>
+          <a:lstStyle/>
+          <a:p>
             <a:r>
               <a:rPr lang="en-US" dirty="0"/>
-              <a:t>Can play single or multiplayer.</a:t>
-            </a:r>
-          </a:p>
-          <a:p>
-            <a:pPr>
-              <a:buFont typeface="Arial" panose="020B0604020202020204" pitchFamily="34" charset="0"/>
-              <a:buChar char="•"/>
-            </a:pPr>
-            <a:r>
-              <a:rPr lang="en-US" dirty="0"/>
-              <a:t>Single player is so easy you must try to lose.</a:t>
-            </a:r>
-          </a:p>
-          <a:p>
-            <a:pPr marL="0" indent="0">
-              <a:buNone/>
-            </a:pPr>
-            <a:endParaRPr lang="en-US" dirty="0"/>
-          </a:p>
-          <a:p>
-            <a:pPr>
-              <a:buFont typeface="Arial" panose="020B0604020202020204" pitchFamily="34" charset="0"/>
-              <a:buChar char="•"/>
-            </a:pPr>
-            <a:endParaRPr lang="en-US" dirty="0"/>
-          </a:p>
-        </p:txBody>
-      </p:sp>
+              <a:t>If</a:t>
+            </a:r>
+          </a:p>
+        </p:txBody>
+      </p:sp>
+      <p:pic>
+        <p:nvPicPr>
+          <p:cNvPr id="9" name="Content Placeholder 8">
+            <a:extLst>
+              <a:ext uri="{FF2B5EF4-FFF2-40B4-BE49-F238E27FC236}">
+                <a16:creationId xmlns:a16="http://schemas.microsoft.com/office/drawing/2014/main" id="{23125653-9D6D-45E8-ADD5-9332EAD460AC}"/>
+              </a:ext>
+            </a:extLst>
+          </p:cNvPr>
+          <p:cNvPicPr>
+            <a:picLocks noGrp="1" noChangeAspect="1"/>
+          </p:cNvPicPr>
+          <p:nvPr>
+            <p:ph sz="quarter" idx="4"/>
+          </p:nvPr>
+        </p:nvPicPr>
+        <p:blipFill>
+          <a:blip r:embed="rId3"/>
+          <a:stretch>
+            <a:fillRect/>
+          </a:stretch>
+        </p:blipFill>
+        <p:spPr>
+          <a:xfrm>
+            <a:off x="6516688" y="2981648"/>
+            <a:ext cx="4638675" cy="2863205"/>
+          </a:xfrm>
+        </p:spPr>
+      </p:pic>
     </p:spTree>
     <p:extLst>
       <p:ext uri="{BB962C8B-B14F-4D97-AF65-F5344CB8AC3E}">
-        <p14:creationId xmlns:p14="http://schemas.microsoft.com/office/powerpoint/2010/main" val="2078728027"/>
+        <p14:creationId xmlns:p14="http://schemas.microsoft.com/office/powerpoint/2010/main" val="1441660424"/>
       </p:ext>
     </p:extLst>
   </p:cSld>
@@ -4535,31 +4535,35 @@
           </a:p>
         </p:txBody>
       </p:sp>
-      <p:sp>
-        <p:nvSpPr>
-          <p:cNvPr id="6" name="Content Placeholder 5">
-            <a:extLst>
-              <a:ext uri="{FF2B5EF4-FFF2-40B4-BE49-F238E27FC236}">
-                <a16:creationId xmlns:a16="http://schemas.microsoft.com/office/drawing/2014/main" id="{555EB42A-0AC1-4492-AE94-1F7A58D544FE}"/>
-              </a:ext>
-            </a:extLst>
-          </p:cNvPr>
-          <p:cNvSpPr>
-            <a:spLocks noGrp="1"/>
-          </p:cNvSpPr>
+      <p:pic>
+        <p:nvPicPr>
+          <p:cNvPr id="7" name="Content Placeholder 6">
+            <a:extLst>
+              <a:ext uri="{FF2B5EF4-FFF2-40B4-BE49-F238E27FC236}">
+                <a16:creationId xmlns:a16="http://schemas.microsoft.com/office/drawing/2014/main" id="{0B0437DB-8948-497C-B4F3-53E15D7C0932}"/>
+              </a:ext>
+            </a:extLst>
+          </p:cNvPr>
+          <p:cNvPicPr>
+            <a:picLocks noGrp="1" noChangeAspect="1"/>
+          </p:cNvPicPr>
           <p:nvPr>
             <p:ph sz="quarter" idx="4"/>
           </p:nvPr>
-        </p:nvSpPr>
-        <p:spPr/>
-        <p:txBody>
-          <a:bodyPr/>
-          <a:lstStyle/>
-          <a:p>
-            <a:endParaRPr lang="en-US" dirty="0"/>
-          </a:p>
-        </p:txBody>
-      </p:sp>
+        </p:nvPicPr>
+        <p:blipFill>
+          <a:blip r:embed="rId3"/>
+          <a:stretch>
+            <a:fillRect/>
+          </a:stretch>
+        </p:blipFill>
+        <p:spPr>
+          <a:xfrm>
+            <a:off x="6024281" y="3407673"/>
+            <a:ext cx="6093656" cy="1119618"/>
+          </a:xfrm>
+        </p:spPr>
+      </p:pic>
     </p:spTree>
     <p:extLst>
       <p:ext uri="{BB962C8B-B14F-4D97-AF65-F5344CB8AC3E}">
@@ -4662,14 +4666,17 @@
             <p:ph type="pic" idx="1"/>
           </p:nvPr>
         </p:nvPicPr>
-        <p:blipFill>
+        <p:blipFill rotWithShape="1">
           <a:blip r:embed="rId2"/>
-          <a:srcRect t="13236" b="13236"/>
-          <a:stretch>
-            <a:fillRect/>
-          </a:stretch>
+          <a:srcRect t="6778" r="9379" b="3552"/>
+          <a:stretch/>
         </p:blipFill>
-        <p:spPr/>
+        <p:spPr>
+          <a:xfrm>
+            <a:off x="0" y="0"/>
+            <a:ext cx="12192000" cy="5063634"/>
+          </a:xfrm>
+        </p:spPr>
       </p:pic>
     </p:spTree>
     <p:extLst>
@@ -5137,24 +5144,6 @@
 </file>
 
 <file path=customXml/item1.xml><?xml version="1.0" encoding="utf-8"?>
-<p:properties xmlns:p="http://schemas.microsoft.com/office/2006/metadata/properties" xmlns:xsi="http://www.w3.org/2001/XMLSchema-instance" xmlns:pc="http://schemas.microsoft.com/office/infopath/2007/PartnerControls">
-  <documentManagement>
-    <Status xmlns="71af3243-3dd4-4a8d-8c0d-dd76da1f02a5">Not started</Status>
-    <MediaServiceKeyPoints xmlns="71af3243-3dd4-4a8d-8c0d-dd76da1f02a5" xsi:nil="true"/>
-  </documentManagement>
-</p:properties>
-</file>
-
-<file path=customXml/item2.xml><?xml version="1.0" encoding="utf-8"?>
-<?mso-contentType ?>
-<FormTemplates xmlns="http://schemas.microsoft.com/sharepoint/v3/contenttype/forms">
-  <Display>DocumentLibraryForm</Display>
-  <Edit>DocumentLibraryForm</Edit>
-  <New>DocumentLibraryForm</New>
-</FormTemplates>
-</file>
-
-<file path=customXml/item3.xml><?xml version="1.0" encoding="utf-8"?>
 <ct:contentTypeSchema xmlns:ct="http://schemas.microsoft.com/office/2006/metadata/contentType" xmlns:ma="http://schemas.microsoft.com/office/2006/metadata/properties/metaAttributes" ct:_="" ma:_="" ma:contentTypeName="Document" ma:contentTypeID="0x01010079F111ED35F8CC479449609E8A0923A6" ma:contentTypeVersion="12" ma:contentTypeDescription="Create a new document." ma:contentTypeScope="" ma:versionID="a410dd7f93c95333ffa1b60ed6adedd1">
   <xsd:schema xmlns:xsd="http://www.w3.org/2001/XMLSchema" xmlns:xs="http://www.w3.org/2001/XMLSchema" xmlns:p="http://schemas.microsoft.com/office/2006/metadata/properties" xmlns:ns2="71af3243-3dd4-4a8d-8c0d-dd76da1f02a5" xmlns:ns3="16c05727-aa75-4e4a-9b5f-8a80a1165891" targetNamespace="http://schemas.microsoft.com/office/2006/metadata/properties" ma:root="true" ma:fieldsID="a936d9baba76aa3866493feff160faab" ns2:_="" ns3:_="">
     <xsd:import namespace="71af3243-3dd4-4a8d-8c0d-dd76da1f02a5"/>
@@ -5375,25 +5364,25 @@
 </ct:contentTypeSchema>
 </file>
 
-<file path=customXml/itemProps1.xml><?xml version="1.0" encoding="utf-8"?>
-<ds:datastoreItem xmlns:ds="http://schemas.openxmlformats.org/officeDocument/2006/customXml" ds:itemID="{A03EEFF0-FB57-4CB4-8BFC-DF397689E2ED}">
-  <ds:schemaRefs>
-    <ds:schemaRef ds:uri="http://schemas.microsoft.com/office/2006/metadata/properties"/>
-    <ds:schemaRef ds:uri="http://schemas.microsoft.com/office/infopath/2007/PartnerControls"/>
-    <ds:schemaRef ds:uri="71af3243-3dd4-4a8d-8c0d-dd76da1f02a5"/>
-  </ds:schemaRefs>
-</ds:datastoreItem>
+<file path=customXml/item2.xml><?xml version="1.0" encoding="utf-8"?>
+<?mso-contentType ?>
+<FormTemplates xmlns="http://schemas.microsoft.com/sharepoint/v3/contenttype/forms">
+  <Display>DocumentLibraryForm</Display>
+  <Edit>DocumentLibraryForm</Edit>
+  <New>DocumentLibraryForm</New>
+</FormTemplates>
 </file>
 
-<file path=customXml/itemProps2.xml><?xml version="1.0" encoding="utf-8"?>
-<ds:datastoreItem xmlns:ds="http://schemas.openxmlformats.org/officeDocument/2006/customXml" ds:itemID="{AA3F7EDC-E5B4-4BBC-9D2A-CBE6D46C37AD}">
-  <ds:schemaRefs>
-    <ds:schemaRef ds:uri="http://schemas.microsoft.com/sharepoint/v3/contenttype/forms"/>
-  </ds:schemaRefs>
-</ds:datastoreItem>
+<file path=customXml/item3.xml><?xml version="1.0" encoding="utf-8"?>
+<p:properties xmlns:p="http://schemas.microsoft.com/office/2006/metadata/properties" xmlns:xsi="http://www.w3.org/2001/XMLSchema-instance" xmlns:pc="http://schemas.microsoft.com/office/infopath/2007/PartnerControls">
+  <documentManagement>
+    <Status xmlns="71af3243-3dd4-4a8d-8c0d-dd76da1f02a5">Not started</Status>
+    <MediaServiceKeyPoints xmlns="71af3243-3dd4-4a8d-8c0d-dd76da1f02a5" xsi:nil="true"/>
+  </documentManagement>
+</p:properties>
 </file>
 
-<file path=customXml/itemProps3.xml><?xml version="1.0" encoding="utf-8"?>
+<file path=customXml/itemProps1.xml><?xml version="1.0" encoding="utf-8"?>
 <ds:datastoreItem xmlns:ds="http://schemas.openxmlformats.org/officeDocument/2006/customXml" ds:itemID="{93932EF5-314F-409E-8020-FEE5FA0795B9}">
   <ds:schemaRefs>
     <ds:schemaRef ds:uri="http://schemas.microsoft.com/office/2006/metadata/contentType"/>
@@ -5410,4 +5399,22 @@
     <ds:schemaRef ds:uri="http://schemas.microsoft.com/internal/obd"/>
   </ds:schemaRefs>
 </ds:datastoreItem>
+</file>
+
+<file path=customXml/itemProps2.xml><?xml version="1.0" encoding="utf-8"?>
+<ds:datastoreItem xmlns:ds="http://schemas.openxmlformats.org/officeDocument/2006/customXml" ds:itemID="{AA3F7EDC-E5B4-4BBC-9D2A-CBE6D46C37AD}">
+  <ds:schemaRefs>
+    <ds:schemaRef ds:uri="http://schemas.microsoft.com/sharepoint/v3/contenttype/forms"/>
+  </ds:schemaRefs>
+</ds:datastoreItem>
+</file>
+
+<file path=customXml/itemProps3.xml><?xml version="1.0" encoding="utf-8"?>
+<ds:datastoreItem xmlns:ds="http://schemas.openxmlformats.org/officeDocument/2006/customXml" ds:itemID="{A03EEFF0-FB57-4CB4-8BFC-DF397689E2ED}">
+  <ds:schemaRefs>
+    <ds:schemaRef ds:uri="http://schemas.microsoft.com/office/2006/metadata/properties"/>
+    <ds:schemaRef ds:uri="http://schemas.microsoft.com/office/infopath/2007/PartnerControls"/>
+    <ds:schemaRef ds:uri="71af3243-3dd4-4a8d-8c0d-dd76da1f02a5"/>
+  </ds:schemaRefs>
+</ds:datastoreItem>
 </file>